--- a/Slides/Slides_2.pptx
+++ b/Slides/Slides_2.pptx
@@ -212,7 +212,7 @@
           <a:p>
             <a:fld id="{207C662F-A001-4EA2-B345-C237CD6465E1}" type="datetimeFigureOut">
               <a:rPr lang="en-US" smtClean="0"/>
-              <a:t>1/9/2024</a:t>
+              <a:t>1/6/2025</a:t>
             </a:fld>
             <a:endParaRPr lang="en-US"/>
           </a:p>
@@ -1445,7 +1445,7 @@
           <a:p>
             <a:fld id="{4F06803B-D602-4C3D-AD5C-468F46C70933}" type="datetimeFigureOut">
               <a:rPr lang="en-US" smtClean="0"/>
-              <a:t>1/9/2024</a:t>
+              <a:t>1/6/2025</a:t>
             </a:fld>
             <a:endParaRPr lang="en-US"/>
           </a:p>
@@ -1643,7 +1643,7 @@
           <a:p>
             <a:fld id="{4F06803B-D602-4C3D-AD5C-468F46C70933}" type="datetimeFigureOut">
               <a:rPr lang="en-US" smtClean="0"/>
-              <a:t>1/9/2024</a:t>
+              <a:t>1/6/2025</a:t>
             </a:fld>
             <a:endParaRPr lang="en-US"/>
           </a:p>
@@ -1851,7 +1851,7 @@
           <a:p>
             <a:fld id="{4F06803B-D602-4C3D-AD5C-468F46C70933}" type="datetimeFigureOut">
               <a:rPr lang="en-US" smtClean="0"/>
-              <a:t>1/9/2024</a:t>
+              <a:t>1/6/2025</a:t>
             </a:fld>
             <a:endParaRPr lang="en-US"/>
           </a:p>
@@ -2049,7 +2049,7 @@
           <a:p>
             <a:fld id="{4F06803B-D602-4C3D-AD5C-468F46C70933}" type="datetimeFigureOut">
               <a:rPr lang="en-US" smtClean="0"/>
-              <a:t>1/9/2024</a:t>
+              <a:t>1/6/2025</a:t>
             </a:fld>
             <a:endParaRPr lang="en-US"/>
           </a:p>
@@ -2324,7 +2324,7 @@
           <a:p>
             <a:fld id="{4F06803B-D602-4C3D-AD5C-468F46C70933}" type="datetimeFigureOut">
               <a:rPr lang="en-US" smtClean="0"/>
-              <a:t>1/9/2024</a:t>
+              <a:t>1/6/2025</a:t>
             </a:fld>
             <a:endParaRPr lang="en-US"/>
           </a:p>
@@ -2589,7 +2589,7 @@
           <a:p>
             <a:fld id="{4F06803B-D602-4C3D-AD5C-468F46C70933}" type="datetimeFigureOut">
               <a:rPr lang="en-US" smtClean="0"/>
-              <a:t>1/9/2024</a:t>
+              <a:t>1/6/2025</a:t>
             </a:fld>
             <a:endParaRPr lang="en-US"/>
           </a:p>
@@ -3001,7 +3001,7 @@
           <a:p>
             <a:fld id="{4F06803B-D602-4C3D-AD5C-468F46C70933}" type="datetimeFigureOut">
               <a:rPr lang="en-US" smtClean="0"/>
-              <a:t>1/9/2024</a:t>
+              <a:t>1/6/2025</a:t>
             </a:fld>
             <a:endParaRPr lang="en-US"/>
           </a:p>
@@ -3142,7 +3142,7 @@
           <a:p>
             <a:fld id="{4F06803B-D602-4C3D-AD5C-468F46C70933}" type="datetimeFigureOut">
               <a:rPr lang="en-US" smtClean="0"/>
-              <a:t>1/9/2024</a:t>
+              <a:t>1/6/2025</a:t>
             </a:fld>
             <a:endParaRPr lang="en-US"/>
           </a:p>
@@ -3255,7 +3255,7 @@
           <a:p>
             <a:fld id="{4F06803B-D602-4C3D-AD5C-468F46C70933}" type="datetimeFigureOut">
               <a:rPr lang="en-US" smtClean="0"/>
-              <a:t>1/9/2024</a:t>
+              <a:t>1/6/2025</a:t>
             </a:fld>
             <a:endParaRPr lang="en-US"/>
           </a:p>
@@ -3566,7 +3566,7 @@
           <a:p>
             <a:fld id="{4F06803B-D602-4C3D-AD5C-468F46C70933}" type="datetimeFigureOut">
               <a:rPr lang="en-US" smtClean="0"/>
-              <a:t>1/9/2024</a:t>
+              <a:t>1/6/2025</a:t>
             </a:fld>
             <a:endParaRPr lang="en-US"/>
           </a:p>
@@ -3854,7 +3854,7 @@
           <a:p>
             <a:fld id="{4F06803B-D602-4C3D-AD5C-468F46C70933}" type="datetimeFigureOut">
               <a:rPr lang="en-US" smtClean="0"/>
-              <a:t>1/9/2024</a:t>
+              <a:t>1/6/2025</a:t>
             </a:fld>
             <a:endParaRPr lang="en-US"/>
           </a:p>
@@ -4095,7 +4095,7 @@
           <a:p>
             <a:fld id="{4F06803B-D602-4C3D-AD5C-468F46C70933}" type="datetimeFigureOut">
               <a:rPr lang="en-US" smtClean="0"/>
-              <a:t>1/9/2024</a:t>
+              <a:t>1/6/2025</a:t>
             </a:fld>
             <a:endParaRPr lang="en-US"/>
           </a:p>
@@ -4680,8 +4680,8 @@
           </a:p>
         </p:txBody>
       </p:sp>
-      <mc:AlternateContent xmlns:mc="http://schemas.openxmlformats.org/markup-compatibility/2006" xmlns:a14="http://schemas.microsoft.com/office/drawing/2010/main">
-        <mc:Choice Requires="a14">
+      <mc:AlternateContent xmlns:mc="http://schemas.openxmlformats.org/markup-compatibility/2006">
+        <mc:Choice xmlns:a14="http://schemas.microsoft.com/office/drawing/2010/main" Requires="a14">
           <p:sp>
             <p:nvSpPr>
               <p:cNvPr id="3" name="Content Placeholder 2">
@@ -4844,7 +4844,7 @@
                             <a:rPr lang="en-US" b="0" i="1" smtClean="0">
                               <a:latin typeface="Cambria Math" panose="02040503050406030204" pitchFamily="18" charset="0"/>
                             </a:rPr>
-                            <m:t>𝑥</m:t>
+                            <m:t>𝑦</m:t>
                           </m:r>
                         </m:e>
                       </m:func>
@@ -5125,10 +5125,10 @@
                             <m:t>𝜕</m:t>
                           </m:r>
                           <m:r>
-                            <a:rPr lang="en-US" i="1">
-                              <a:latin typeface="Cambria Math" panose="02040503050406030204" pitchFamily="18" charset="0"/>
-                            </a:rPr>
-                            <m:t>𝑥</m:t>
+                            <a:rPr lang="en-US" b="0" i="1" smtClean="0">
+                              <a:latin typeface="Cambria Math" panose="02040503050406030204" pitchFamily="18" charset="0"/>
+                            </a:rPr>
+                            <m:t>𝑦</m:t>
                           </m:r>
                         </m:den>
                       </m:f>
@@ -5298,7 +5298,7 @@
             </p:txBody>
           </p:sp>
         </mc:Choice>
-        <mc:Fallback xmlns="">
+        <mc:Fallback>
           <p:sp>
             <p:nvSpPr>
               <p:cNvPr id="3" name="Content Placeholder 2">
@@ -5328,7 +5328,7 @@
               <a:lstStyle/>
               <a:p>
                 <a:r>
-                  <a:rPr lang="en-US">
+                  <a:rPr lang="en-GB">
                     <a:noFill/>
                   </a:rPr>
                   <a:t> </a:t>
@@ -9687,8 +9687,8 @@
           </a:p>
         </p:txBody>
       </p:sp>
-      <mc:AlternateContent xmlns:mc="http://schemas.openxmlformats.org/markup-compatibility/2006" xmlns:a14="http://schemas.microsoft.com/office/drawing/2010/main">
-        <mc:Choice Requires="a14">
+      <mc:AlternateContent xmlns:mc="http://schemas.openxmlformats.org/markup-compatibility/2006">
+        <mc:Choice xmlns:a14="http://schemas.microsoft.com/office/drawing/2010/main" Requires="a14">
           <p:sp>
             <p:nvSpPr>
               <p:cNvPr id="3" name="Content Placeholder 2">
@@ -9723,7 +9723,7 @@
                         <a:rPr lang="en-US" b="0" i="1" smtClean="0">
                           <a:latin typeface="Cambria Math" panose="02040503050406030204" pitchFamily="18" charset="0"/>
                         </a:rPr>
-                        <m:t>𝑧</m:t>
+                        <m:t>𝑓</m:t>
                       </m:r>
                       <m:d>
                         <m:dPr>
@@ -9870,7 +9870,7 @@
                             <a:rPr lang="en-US" b="0" i="1" smtClean="0">
                               <a:latin typeface="Cambria Math" panose="02040503050406030204" pitchFamily="18" charset="0"/>
                             </a:rPr>
-                            <m:t>𝑧</m:t>
+                            <m:t>𝑓</m:t>
                           </m:r>
                         </m:e>
                         <m:sup>
@@ -9994,7 +9994,7 @@
             </p:txBody>
           </p:sp>
         </mc:Choice>
-        <mc:Fallback xmlns="">
+        <mc:Fallback>
           <p:sp>
             <p:nvSpPr>
               <p:cNvPr id="3" name="Content Placeholder 2">
@@ -10024,7 +10024,7 @@
               <a:lstStyle/>
               <a:p>
                 <a:r>
-                  <a:rPr lang="en-US">
+                  <a:rPr lang="en-GB">
                     <a:noFill/>
                   </a:rPr>
                   <a:t> </a:t>
@@ -10092,8 +10092,8 @@
           </a:p>
         </p:txBody>
       </p:sp>
-      <mc:AlternateContent xmlns:mc="http://schemas.openxmlformats.org/markup-compatibility/2006" xmlns:a14="http://schemas.microsoft.com/office/drawing/2010/main">
-        <mc:Choice Requires="a14">
+      <mc:AlternateContent xmlns:mc="http://schemas.openxmlformats.org/markup-compatibility/2006">
+        <mc:Choice xmlns:a14="http://schemas.microsoft.com/office/drawing/2010/main" Requires="a14">
           <p:sp>
             <p:nvSpPr>
               <p:cNvPr id="3" name="Content Placeholder 2">
@@ -10128,7 +10128,7 @@
                         <a:rPr lang="en-US" b="0" i="1" smtClean="0">
                           <a:latin typeface="Cambria Math" panose="02040503050406030204" pitchFamily="18" charset="0"/>
                         </a:rPr>
-                        <m:t>𝑧</m:t>
+                        <m:t>𝑓</m:t>
                       </m:r>
                       <m:d>
                         <m:dPr>
@@ -10275,7 +10275,7 @@
                             <a:rPr lang="en-US" b="0" i="1" smtClean="0">
                               <a:latin typeface="Cambria Math" panose="02040503050406030204" pitchFamily="18" charset="0"/>
                             </a:rPr>
-                            <m:t>𝑧</m:t>
+                            <m:t>𝑓</m:t>
                           </m:r>
                         </m:e>
                         <m:sup>
@@ -10323,7 +10323,7 @@
                             <a:rPr lang="en-US" b="0" i="1" smtClean="0">
                               <a:latin typeface="Cambria Math" panose="02040503050406030204" pitchFamily="18" charset="0"/>
                             </a:rPr>
-                            <m:t>𝑧</m:t>
+                            <m:t>𝑓</m:t>
                           </m:r>
                           <m:d>
                             <m:dPr>
@@ -10364,7 +10364,7 @@
                             <a:rPr lang="en-US" b="0" i="1" smtClean="0">
                               <a:latin typeface="Cambria Math" panose="02040503050406030204" pitchFamily="18" charset="0"/>
                             </a:rPr>
-                            <m:t>𝑧</m:t>
+                            <m:t>𝑓</m:t>
                           </m:r>
                           <m:r>
                             <a:rPr lang="en-US" b="0" i="1" smtClean="0">
@@ -10430,7 +10430,7 @@
             </p:txBody>
           </p:sp>
         </mc:Choice>
-        <mc:Fallback xmlns="">
+        <mc:Fallback>
           <p:sp>
             <p:nvSpPr>
               <p:cNvPr id="3" name="Content Placeholder 2">
@@ -10460,7 +10460,7 @@
               <a:lstStyle/>
               <a:p>
                 <a:r>
-                  <a:rPr lang="en-US">
+                  <a:rPr lang="en-GB">
                     <a:noFill/>
                   </a:rPr>
                   <a:t> </a:t>
@@ -10919,8 +10919,8 @@
           </a:p>
         </p:txBody>
       </p:sp>
-      <mc:AlternateContent xmlns:mc="http://schemas.openxmlformats.org/markup-compatibility/2006" xmlns:a14="http://schemas.microsoft.com/office/drawing/2010/main">
-        <mc:Choice Requires="a14">
+      <mc:AlternateContent xmlns:mc="http://schemas.openxmlformats.org/markup-compatibility/2006">
+        <mc:Choice xmlns:a14="http://schemas.microsoft.com/office/drawing/2010/main" Requires="a14">
           <p:sp>
             <p:nvSpPr>
               <p:cNvPr id="3" name="Content Placeholder 2">
@@ -11081,7 +11081,7 @@
                             <a:rPr lang="en-US" b="0" i="1" smtClean="0">
                               <a:latin typeface="Cambria Math" panose="02040503050406030204" pitchFamily="18" charset="0"/>
                             </a:rPr>
-                            <m:t>𝑥</m:t>
+                            <m:t>𝑦</m:t>
                           </m:r>
                         </m:e>
                       </m:func>
@@ -11151,11 +11151,120 @@
                           </m:r>
                         </m:den>
                       </m:f>
+                      <m:d>
+                        <m:dPr>
+                          <m:ctrlPr>
+                            <a:rPr lang="en-US" b="0" i="1" smtClean="0">
+                              <a:latin typeface="Cambria Math" panose="02040503050406030204" pitchFamily="18" charset="0"/>
+                            </a:rPr>
+                          </m:ctrlPr>
+                        </m:dPr>
+                        <m:e>
+                          <m:r>
+                            <a:rPr lang="en-US" b="0" i="1" smtClean="0">
+                              <a:latin typeface="Cambria Math" panose="02040503050406030204" pitchFamily="18" charset="0"/>
+                            </a:rPr>
+                            <m:t>𝑥</m:t>
+                          </m:r>
+                          <m:r>
+                            <a:rPr lang="en-US" b="0" i="1" smtClean="0">
+                              <a:latin typeface="Cambria Math" panose="02040503050406030204" pitchFamily="18" charset="0"/>
+                            </a:rPr>
+                            <m:t>,</m:t>
+                          </m:r>
+                          <m:r>
+                            <a:rPr lang="en-US" b="0" i="1" smtClean="0">
+                              <a:latin typeface="Cambria Math" panose="02040503050406030204" pitchFamily="18" charset="0"/>
+                            </a:rPr>
+                            <m:t>𝑦</m:t>
+                          </m:r>
+                        </m:e>
+                      </m:d>
                       <m:r>
                         <a:rPr lang="en-US" b="0" i="1" smtClean="0">
                           <a:latin typeface="Cambria Math" panose="02040503050406030204" pitchFamily="18" charset="0"/>
                         </a:rPr>
-                        <m:t>(</m:t>
+                        <m:t>=</m:t>
+                      </m:r>
+                      <m:f>
+                        <m:fPr>
+                          <m:ctrlPr>
+                            <a:rPr lang="en-US" b="0" i="1" smtClean="0">
+                              <a:latin typeface="Cambria Math" panose="02040503050406030204" pitchFamily="18" charset="0"/>
+                            </a:rPr>
+                          </m:ctrlPr>
+                        </m:fPr>
+                        <m:num>
+                          <m:r>
+                            <a:rPr lang="en-US" b="0" i="1" smtClean="0">
+                              <a:latin typeface="Cambria Math" panose="02040503050406030204" pitchFamily="18" charset="0"/>
+                            </a:rPr>
+                            <m:t>1</m:t>
+                          </m:r>
+                        </m:num>
+                        <m:den>
+                          <m:r>
+                            <a:rPr lang="en-US" b="0" i="1" smtClean="0">
+                              <a:latin typeface="Cambria Math" panose="02040503050406030204" pitchFamily="18" charset="0"/>
+                            </a:rPr>
+                            <m:t>𝑦</m:t>
+                          </m:r>
+                        </m:den>
+                      </m:f>
+                      <m:r>
+                        <a:rPr lang="en-US" b="0" i="1" smtClean="0">
+                          <a:latin typeface="Cambria Math" panose="02040503050406030204" pitchFamily="18" charset="0"/>
+                        </a:rPr>
+                        <m:t>−</m:t>
+                      </m:r>
+                      <m:func>
+                        <m:funcPr>
+                          <m:ctrlPr>
+                            <a:rPr lang="en-US" b="0" i="1" smtClean="0">
+                              <a:latin typeface="Cambria Math" panose="02040503050406030204" pitchFamily="18" charset="0"/>
+                            </a:rPr>
+                          </m:ctrlPr>
+                        </m:funcPr>
+                        <m:fName>
+                          <m:r>
+                            <m:rPr>
+                              <m:sty m:val="p"/>
+                            </m:rPr>
+                            <a:rPr lang="en-US" b="0" i="0" smtClean="0">
+                              <a:latin typeface="Cambria Math" panose="02040503050406030204" pitchFamily="18" charset="0"/>
+                            </a:rPr>
+                            <m:t>sin</m:t>
+                          </m:r>
+                        </m:fName>
+                        <m:e>
+                          <m:r>
+                            <a:rPr lang="en-US" b="0" i="1" smtClean="0">
+                              <a:latin typeface="Cambria Math" panose="02040503050406030204" pitchFamily="18" charset="0"/>
+                            </a:rPr>
+                            <m:t>𝑦</m:t>
+                          </m:r>
+                        </m:e>
+                      </m:func>
+                      <m:r>
+                        <a:rPr lang="en-US" b="0" i="1" smtClean="0">
+                          <a:latin typeface="Cambria Math" panose="02040503050406030204" pitchFamily="18" charset="0"/>
+                        </a:rPr>
+                        <m:t>∗</m:t>
+                      </m:r>
+                      <m:r>
+                        <m:rPr>
+                          <m:sty m:val="p"/>
+                        </m:rPr>
+                        <a:rPr lang="en-US" b="0" i="0" smtClean="0">
+                          <a:latin typeface="Cambria Math" panose="02040503050406030204" pitchFamily="18" charset="0"/>
+                        </a:rPr>
+                        <m:t>sin</m:t>
+                      </m:r>
+                      <m:r>
+                        <a:rPr lang="en-US" b="0" i="1" smtClean="0">
+                          <a:latin typeface="Cambria Math" panose="02040503050406030204" pitchFamily="18" charset="0"/>
+                        </a:rPr>
+                        <m:t>⁡</m:t>
                       </m:r>
                       <m:r>
                         <a:rPr lang="en-US" b="0" i="1" smtClean="0">
@@ -11163,129 +11272,6 @@
                         </a:rPr>
                         <m:t>𝑥</m:t>
                       </m:r>
-                      <m:r>
-                        <a:rPr lang="en-US" b="0" i="1" smtClean="0">
-                          <a:latin typeface="Cambria Math" panose="02040503050406030204" pitchFamily="18" charset="0"/>
-                        </a:rPr>
-                        <m:t>,</m:t>
-                      </m:r>
-                      <m:r>
-                        <a:rPr lang="en-US" b="0" i="1" smtClean="0">
-                          <a:latin typeface="Cambria Math" panose="02040503050406030204" pitchFamily="18" charset="0"/>
-                        </a:rPr>
-                        <m:t>𝑦</m:t>
-                      </m:r>
-                      <m:r>
-                        <a:rPr lang="en-US" b="0" i="1" smtClean="0">
-                          <a:latin typeface="Cambria Math" panose="02040503050406030204" pitchFamily="18" charset="0"/>
-                        </a:rPr>
-                        <m:t>)= </m:t>
-                      </m:r>
-                      <m:f>
-                        <m:fPr>
-                          <m:ctrlPr>
-                            <a:rPr lang="en-US" i="1">
-                              <a:latin typeface="Cambria Math" panose="02040503050406030204" pitchFamily="18" charset="0"/>
-                            </a:rPr>
-                          </m:ctrlPr>
-                        </m:fPr>
-                        <m:num>
-                          <m:r>
-                            <a:rPr lang="en-US" i="1">
-                              <a:latin typeface="Cambria Math" panose="02040503050406030204" pitchFamily="18" charset="0"/>
-                            </a:rPr>
-                            <m:t>−</m:t>
-                          </m:r>
-                          <m:r>
-                            <a:rPr lang="en-US" i="1">
-                              <a:latin typeface="Cambria Math" panose="02040503050406030204" pitchFamily="18" charset="0"/>
-                            </a:rPr>
-                            <m:t>𝑦</m:t>
-                          </m:r>
-                          <m:r>
-                            <a:rPr lang="en-US" i="1">
-                              <a:latin typeface="Cambria Math" panose="02040503050406030204" pitchFamily="18" charset="0"/>
-                            </a:rPr>
-                            <m:t>∗</m:t>
-                          </m:r>
-                          <m:func>
-                            <m:funcPr>
-                              <m:ctrlPr>
-                                <a:rPr lang="en-US" i="1">
-                                  <a:latin typeface="Cambria Math" panose="02040503050406030204" pitchFamily="18" charset="0"/>
-                                </a:rPr>
-                              </m:ctrlPr>
-                            </m:funcPr>
-                            <m:fName>
-                              <m:r>
-                                <m:rPr>
-                                  <m:sty m:val="p"/>
-                                </m:rPr>
-                                <a:rPr lang="en-US">
-                                  <a:latin typeface="Cambria Math" panose="02040503050406030204" pitchFamily="18" charset="0"/>
-                                </a:rPr>
-                                <m:t>sin</m:t>
-                              </m:r>
-                            </m:fName>
-                            <m:e>
-                              <m:r>
-                                <a:rPr lang="en-US" i="1">
-                                  <a:latin typeface="Cambria Math" panose="02040503050406030204" pitchFamily="18" charset="0"/>
-                                </a:rPr>
-                                <m:t>𝑥</m:t>
-                              </m:r>
-                            </m:e>
-                          </m:func>
-                          <m:r>
-                            <a:rPr lang="en-US" b="0" i="1" smtClean="0">
-                              <a:latin typeface="Cambria Math" panose="02040503050406030204" pitchFamily="18" charset="0"/>
-                            </a:rPr>
-                            <m:t>∗</m:t>
-                          </m:r>
-                          <m:func>
-                            <m:funcPr>
-                              <m:ctrlPr>
-                                <a:rPr lang="en-US" i="1">
-                                  <a:latin typeface="Cambria Math" panose="02040503050406030204" pitchFamily="18" charset="0"/>
-                                </a:rPr>
-                              </m:ctrlPr>
-                            </m:funcPr>
-                            <m:fName>
-                              <m:r>
-                                <m:rPr>
-                                  <m:sty m:val="p"/>
-                                </m:rPr>
-                                <a:rPr lang="en-US">
-                                  <a:latin typeface="Cambria Math" panose="02040503050406030204" pitchFamily="18" charset="0"/>
-                                </a:rPr>
-                                <m:t>sin</m:t>
-                              </m:r>
-                            </m:fName>
-                            <m:e>
-                              <m:r>
-                                <a:rPr lang="en-US" i="1">
-                                  <a:latin typeface="Cambria Math" panose="02040503050406030204" pitchFamily="18" charset="0"/>
-                                </a:rPr>
-                                <m:t>𝑦</m:t>
-                              </m:r>
-                            </m:e>
-                          </m:func>
-                          <m:r>
-                            <a:rPr lang="en-US" i="1">
-                              <a:latin typeface="Cambria Math" panose="02040503050406030204" pitchFamily="18" charset="0"/>
-                            </a:rPr>
-                            <m:t>+1</m:t>
-                          </m:r>
-                        </m:num>
-                        <m:den>
-                          <m:r>
-                            <a:rPr lang="en-US" i="1">
-                              <a:latin typeface="Cambria Math" panose="02040503050406030204" pitchFamily="18" charset="0"/>
-                            </a:rPr>
-                            <m:t>𝑦</m:t>
-                          </m:r>
-                        </m:den>
-                      </m:f>
                     </m:oMath>
                   </m:oMathPara>
                 </a14:m>
@@ -11348,144 +11334,56 @@
                           </m:r>
                         </m:den>
                       </m:f>
+                      <m:d>
+                        <m:dPr>
+                          <m:ctrlPr>
+                            <a:rPr lang="en-US" b="0" i="1" smtClean="0">
+                              <a:latin typeface="Cambria Math" panose="02040503050406030204" pitchFamily="18" charset="0"/>
+                            </a:rPr>
+                          </m:ctrlPr>
+                        </m:dPr>
+                        <m:e>
+                          <m:r>
+                            <a:rPr lang="en-US" b="0" i="1" smtClean="0">
+                              <a:latin typeface="Cambria Math" panose="02040503050406030204" pitchFamily="18" charset="0"/>
+                            </a:rPr>
+                            <m:t>𝑥</m:t>
+                          </m:r>
+                          <m:r>
+                            <a:rPr lang="en-US" b="0" i="1" smtClean="0">
+                              <a:latin typeface="Cambria Math" panose="02040503050406030204" pitchFamily="18" charset="0"/>
+                            </a:rPr>
+                            <m:t>,</m:t>
+                          </m:r>
+                          <m:r>
+                            <a:rPr lang="en-US" b="0" i="1" smtClean="0">
+                              <a:latin typeface="Cambria Math" panose="02040503050406030204" pitchFamily="18" charset="0"/>
+                            </a:rPr>
+                            <m:t>𝑦</m:t>
+                          </m:r>
+                        </m:e>
+                      </m:d>
                       <m:r>
                         <a:rPr lang="en-US" b="0" i="1" smtClean="0">
                           <a:latin typeface="Cambria Math" panose="02040503050406030204" pitchFamily="18" charset="0"/>
                         </a:rPr>
-                        <m:t>(</m:t>
+                        <m:t>=</m:t>
                       </m:r>
                       <m:r>
                         <a:rPr lang="en-US" b="0" i="1" smtClean="0">
                           <a:latin typeface="Cambria Math" panose="02040503050406030204" pitchFamily="18" charset="0"/>
                         </a:rPr>
-                        <m:t>𝑥</m:t>
-                      </m:r>
-                      <m:r>
-                        <a:rPr lang="en-US" b="0" i="1" smtClean="0">
-                          <a:latin typeface="Cambria Math" panose="02040503050406030204" pitchFamily="18" charset="0"/>
-                        </a:rPr>
-                        <m:t>,</m:t>
-                      </m:r>
-                      <m:r>
-                        <a:rPr lang="en-US" b="0" i="1" smtClean="0">
-                          <a:latin typeface="Cambria Math" panose="02040503050406030204" pitchFamily="18" charset="0"/>
-                        </a:rPr>
-                        <m:t>𝑦</m:t>
-                      </m:r>
-                      <m:r>
-                        <a:rPr lang="en-US" b="0" i="1" smtClean="0">
-                          <a:latin typeface="Cambria Math" panose="02040503050406030204" pitchFamily="18" charset="0"/>
-                        </a:rPr>
-                        <m:t>)= </m:t>
+                        <m:t>−</m:t>
                       </m:r>
                       <m:f>
                         <m:fPr>
                           <m:ctrlPr>
-                            <a:rPr lang="en-US" i="1">
+                            <a:rPr lang="en-US" b="0" i="1" smtClean="0">
                               <a:latin typeface="Cambria Math" panose="02040503050406030204" pitchFamily="18" charset="0"/>
                             </a:rPr>
                           </m:ctrlPr>
                         </m:fPr>
                         <m:num>
-                          <m:sSup>
-                            <m:sSupPr>
-                              <m:ctrlPr>
-                                <a:rPr lang="en-US" b="0" i="1" smtClean="0">
-                                  <a:latin typeface="Cambria Math" panose="02040503050406030204" pitchFamily="18" charset="0"/>
-                                </a:rPr>
-                              </m:ctrlPr>
-                            </m:sSupPr>
-                            <m:e>
-                              <m:r>
-                                <a:rPr lang="en-US" i="1">
-                                  <a:latin typeface="Cambria Math" panose="02040503050406030204" pitchFamily="18" charset="0"/>
-                                </a:rPr>
-                                <m:t>𝑦</m:t>
-                              </m:r>
-                            </m:e>
-                            <m:sup>
-                              <m:r>
-                                <a:rPr lang="en-US" b="0" i="1" smtClean="0">
-                                  <a:latin typeface="Cambria Math" panose="02040503050406030204" pitchFamily="18" charset="0"/>
-                                </a:rPr>
-                                <m:t>2</m:t>
-                              </m:r>
-                            </m:sup>
-                          </m:sSup>
-                          <m:r>
-                            <a:rPr lang="en-US" i="1">
-                              <a:latin typeface="Cambria Math" panose="02040503050406030204" pitchFamily="18" charset="0"/>
-                            </a:rPr>
-                            <m:t>∗</m:t>
-                          </m:r>
-                          <m:func>
-                            <m:funcPr>
-                              <m:ctrlPr>
-                                <a:rPr lang="en-US" i="1" smtClean="0">
-                                  <a:latin typeface="Cambria Math" panose="02040503050406030204" pitchFamily="18" charset="0"/>
-                                </a:rPr>
-                              </m:ctrlPr>
-                            </m:funcPr>
-                            <m:fName>
-                              <m:r>
-                                <m:rPr>
-                                  <m:sty m:val="p"/>
-                                </m:rPr>
-                                <a:rPr lang="en-US" i="0" smtClean="0">
-                                  <a:latin typeface="Cambria Math" panose="02040503050406030204" pitchFamily="18" charset="0"/>
-                                </a:rPr>
-                                <m:t>cos</m:t>
-                              </m:r>
-                            </m:fName>
-                            <m:e>
-                              <m:r>
-                                <a:rPr lang="en-US" b="0" i="1" smtClean="0">
-                                  <a:latin typeface="Cambria Math" panose="02040503050406030204" pitchFamily="18" charset="0"/>
-                                </a:rPr>
-                                <m:t>𝑥</m:t>
-                              </m:r>
-                            </m:e>
-                          </m:func>
-                          <m:r>
-                            <a:rPr lang="en-US" b="0" i="1" smtClean="0">
-                              <a:latin typeface="Cambria Math" panose="02040503050406030204" pitchFamily="18" charset="0"/>
-                            </a:rPr>
-                            <m:t>∗</m:t>
-                          </m:r>
-                          <m:func>
-                            <m:funcPr>
-                              <m:ctrlPr>
-                                <a:rPr lang="en-US" b="0" i="1" smtClean="0">
-                                  <a:latin typeface="Cambria Math" panose="02040503050406030204" pitchFamily="18" charset="0"/>
-                                </a:rPr>
-                              </m:ctrlPr>
-                            </m:funcPr>
-                            <m:fName>
-                              <m:r>
-                                <m:rPr>
-                                  <m:sty m:val="p"/>
-                                </m:rPr>
-                                <a:rPr lang="en-US" b="0" i="0" smtClean="0">
-                                  <a:latin typeface="Cambria Math" panose="02040503050406030204" pitchFamily="18" charset="0"/>
-                                </a:rPr>
-                                <m:t>cos</m:t>
-                              </m:r>
-                            </m:fName>
-                            <m:e>
-                              <m:r>
-                                <a:rPr lang="en-US" b="0" i="1" smtClean="0">
-                                  <a:latin typeface="Cambria Math" panose="02040503050406030204" pitchFamily="18" charset="0"/>
-                                </a:rPr>
-                                <m:t>𝑦</m:t>
-                              </m:r>
-                            </m:e>
-                          </m:func>
-                          <m:r>
-                            <a:rPr lang="en-US" b="0" i="1" smtClean="0">
-                              <a:latin typeface="Cambria Math" panose="02040503050406030204" pitchFamily="18" charset="0"/>
-                            </a:rPr>
-                            <m:t>−</m:t>
-                          </m:r>
                           <m:r>
                             <a:rPr lang="en-US" b="0" i="1" smtClean="0">
                               <a:latin typeface="Cambria Math" panose="02040503050406030204" pitchFamily="18" charset="0"/>
@@ -11495,19 +11393,81 @@
                         </m:num>
                         <m:den>
                           <m:r>
-                            <a:rPr lang="en-US" i="1">
+                            <a:rPr lang="en-US" b="0" i="1" smtClean="0">
                               <a:latin typeface="Cambria Math" panose="02040503050406030204" pitchFamily="18" charset="0"/>
                             </a:rPr>
                             <m:t>𝑦</m:t>
-                          </m:r>
-                          <m:r>
-                            <a:rPr lang="en-US" b="0" i="1" smtClean="0">
-                              <a:latin typeface="Cambria Math" panose="02040503050406030204" pitchFamily="18" charset="0"/>
-                            </a:rPr>
-                            <m:t>²</m:t>
                           </m:r>
                         </m:den>
                       </m:f>
+                      <m:r>
+                        <a:rPr lang="en-US" b="0" i="1" smtClean="0">
+                          <a:latin typeface="Cambria Math" panose="02040503050406030204" pitchFamily="18" charset="0"/>
+                        </a:rPr>
+                        <m:t>+</m:t>
+                      </m:r>
+                      <m:func>
+                        <m:funcPr>
+                          <m:ctrlPr>
+                            <a:rPr lang="en-US" b="0" i="1" smtClean="0">
+                              <a:latin typeface="Cambria Math" panose="02040503050406030204" pitchFamily="18" charset="0"/>
+                            </a:rPr>
+                          </m:ctrlPr>
+                        </m:funcPr>
+                        <m:fName>
+                          <m:r>
+                            <m:rPr>
+                              <m:sty m:val="p"/>
+                            </m:rPr>
+                            <a:rPr lang="en-US" b="0" i="0" smtClean="0">
+                              <a:latin typeface="Cambria Math" panose="02040503050406030204" pitchFamily="18" charset="0"/>
+                            </a:rPr>
+                            <m:t>cos</m:t>
+                          </m:r>
+                        </m:fName>
+                        <m:e>
+                          <m:r>
+                            <a:rPr lang="en-US" b="0" i="1" smtClean="0">
+                              <a:latin typeface="Cambria Math" panose="02040503050406030204" pitchFamily="18" charset="0"/>
+                            </a:rPr>
+                            <m:t>𝑥</m:t>
+                          </m:r>
+                        </m:e>
+                      </m:func>
+                      <m:r>
+                        <a:rPr lang="en-US" b="0" i="1" smtClean="0">
+                          <a:latin typeface="Cambria Math" panose="02040503050406030204" pitchFamily="18" charset="0"/>
+                        </a:rPr>
+                        <m:t>∗</m:t>
+                      </m:r>
+                      <m:func>
+                        <m:funcPr>
+                          <m:ctrlPr>
+                            <a:rPr lang="en-US" b="0" i="1" smtClean="0">
+                              <a:latin typeface="Cambria Math" panose="02040503050406030204" pitchFamily="18" charset="0"/>
+                            </a:rPr>
+                          </m:ctrlPr>
+                        </m:funcPr>
+                        <m:fName>
+                          <m:r>
+                            <m:rPr>
+                              <m:sty m:val="p"/>
+                            </m:rPr>
+                            <a:rPr lang="en-US" b="0" i="0" smtClean="0">
+                              <a:latin typeface="Cambria Math" panose="02040503050406030204" pitchFamily="18" charset="0"/>
+                            </a:rPr>
+                            <m:t>cos</m:t>
+                          </m:r>
+                        </m:fName>
+                        <m:e>
+                          <m:r>
+                            <a:rPr lang="en-US" b="0" i="1" smtClean="0">
+                              <a:latin typeface="Cambria Math" panose="02040503050406030204" pitchFamily="18" charset="0"/>
+                            </a:rPr>
+                            <m:t>𝑦</m:t>
+                          </m:r>
+                        </m:e>
+                      </m:func>
                     </m:oMath>
                   </m:oMathPara>
                 </a14:m>
@@ -11519,7 +11479,7 @@
             </p:txBody>
           </p:sp>
         </mc:Choice>
-        <mc:Fallback xmlns="">
+        <mc:Fallback>
           <p:sp>
             <p:nvSpPr>
               <p:cNvPr id="3" name="Content Placeholder 2">
@@ -11549,7 +11509,7 @@
               <a:lstStyle/>
               <a:p>
                 <a:r>
-                  <a:rPr lang="en-US">
+                  <a:rPr lang="en-GB">
                     <a:noFill/>
                   </a:rPr>
                   <a:t> </a:t>
